--- a/ICATM/ICATM-2024 Zeroth.pptx
+++ b/ICATM/ICATM-2024 Zeroth.pptx
@@ -385,7 +385,7 @@
           <a:p>
             <a:fld id="{AC6DE52B-B922-4874-A347-E89D4A126438}" type="datetimeFigureOut">
               <a:rPr lang="en-IN" smtClean="0"/>
-              <a:t>06-04-2024</a:t>
+              <a:t>18-04-2024</a:t>
             </a:fld>
             <a:endParaRPr lang="en-IN"/>
           </a:p>
@@ -3942,7 +3942,7 @@
           <a:p>
             <a:fld id="{6655C1DC-48FB-40C2-8DEF-863A27E4E798}" type="datetime1">
               <a:rPr lang="en-US" smtClean="0"/>
-              <a:t>4/6/2024</a:t>
+              <a:t>4/18/2024</a:t>
             </a:fld>
             <a:endParaRPr/>
           </a:p>
@@ -4684,7 +4684,7 @@
           <a:p>
             <a:fld id="{1EA95AB0-DBA4-4A1D-9EA2-1D5F8DC59E73}" type="datetime1">
               <a:rPr lang="en-US" smtClean="0"/>
-              <a:t>4/6/2024</a:t>
+              <a:t>4/18/2024</a:t>
             </a:fld>
             <a:endParaRPr/>
           </a:p>
@@ -5549,7 +5549,7 @@
           <a:p>
             <a:fld id="{055DCCB5-346B-4208-A9FA-9E6BD818EE2A}" type="datetime1">
               <a:rPr lang="en-US" smtClean="0"/>
-              <a:t>4/6/2024</a:t>
+              <a:t>4/18/2024</a:t>
             </a:fld>
             <a:endParaRPr/>
           </a:p>
@@ -6735,7 +6735,7 @@
           <a:p>
             <a:fld id="{F88EE34D-EC97-4C29-A5DF-53B358DFD43C}" type="datetime1">
               <a:rPr lang="en-US" smtClean="0"/>
-              <a:t>4/6/2024</a:t>
+              <a:t>4/18/2024</a:t>
             </a:fld>
             <a:endParaRPr/>
           </a:p>
@@ -7280,7 +7280,7 @@
           <a:p>
             <a:fld id="{E17800B7-E1CA-4CD1-A781-5475D2E1ED09}" type="datetime1">
               <a:rPr lang="en-US" smtClean="0"/>
-              <a:t>4/6/2024</a:t>
+              <a:t>4/18/2024</a:t>
             </a:fld>
             <a:endParaRPr/>
           </a:p>
@@ -8146,7 +8146,7 @@
           <a:p>
             <a:fld id="{C28A9E17-04BF-4084-B243-657A4CA1B112}" type="datetime1">
               <a:rPr lang="en-US" smtClean="0"/>
-              <a:t>4/6/2024</a:t>
+              <a:t>4/18/2024</a:t>
             </a:fld>
             <a:endParaRPr/>
           </a:p>
@@ -8876,7 +8876,7 @@
           <a:p>
             <a:fld id="{03347EA4-2418-44E4-B72E-A9B6DA584418}" type="datetime1">
               <a:rPr lang="en-US" smtClean="0"/>
-              <a:t>4/6/2024</a:t>
+              <a:t>4/18/2024</a:t>
             </a:fld>
             <a:endParaRPr/>
           </a:p>
@@ -9581,7 +9581,7 @@
           <a:p>
             <a:fld id="{ED64FA04-0011-4D8C-800B-2A8668D8616A}" type="datetime1">
               <a:rPr lang="en-US" smtClean="0"/>
-              <a:t>4/6/2024</a:t>
+              <a:t>4/18/2024</a:t>
             </a:fld>
             <a:endParaRPr/>
           </a:p>
@@ -10519,7 +10519,7 @@
           <a:p>
             <a:fld id="{1752F098-11E8-421A-BB80-91DE1586C441}" type="datetime1">
               <a:rPr lang="en-US" smtClean="0"/>
-              <a:t>4/6/2024</a:t>
+              <a:t>4/18/2024</a:t>
             </a:fld>
             <a:endParaRPr/>
           </a:p>
@@ -15053,7 +15053,7 @@
           <a:p>
             <a:fld id="{C4FB4E6D-049E-4E2B-8B69-5C4AB76F237E}" type="datetime1">
               <a:rPr lang="en-US" smtClean="0"/>
-              <a:t>4/6/2024</a:t>
+              <a:t>4/18/2024</a:t>
             </a:fld>
             <a:endParaRPr/>
           </a:p>
@@ -16799,7 +16799,7 @@
           <a:p>
             <a:fld id="{A174D43B-D405-4C66-AAFC-12F687A583A3}" type="datetime1">
               <a:rPr lang="en-US" smtClean="0"/>
-              <a:t>4/6/2024</a:t>
+              <a:t>4/18/2024</a:t>
             </a:fld>
             <a:endParaRPr lang="en-US"/>
           </a:p>
@@ -17660,7 +17660,7 @@
           <a:p>
             <a:fld id="{A174D43B-D405-4C66-AAFC-12F687A583A3}" type="datetime1">
               <a:rPr lang="en-US" smtClean="0"/>
-              <a:t>4/6/2024</a:t>
+              <a:t>4/18/2024</a:t>
             </a:fld>
             <a:endParaRPr lang="en-US"/>
           </a:p>
@@ -18440,7 +18440,7 @@
           <a:p>
             <a:fld id="{A174D43B-D405-4C66-AAFC-12F687A583A3}" type="datetime1">
               <a:rPr lang="en-US" smtClean="0"/>
-              <a:t>4/6/2024</a:t>
+              <a:t>4/18/2024</a:t>
             </a:fld>
             <a:endParaRPr lang="en-US"/>
           </a:p>
@@ -19278,7 +19278,7 @@
           <a:p>
             <a:fld id="{A174D43B-D405-4C66-AAFC-12F687A583A3}" type="datetime1">
               <a:rPr lang="en-US" smtClean="0"/>
-              <a:t>4/6/2024</a:t>
+              <a:t>4/18/2024</a:t>
             </a:fld>
             <a:endParaRPr lang="en-US"/>
           </a:p>
@@ -20119,7 +20119,7 @@
           <a:p>
             <a:fld id="{A174D43B-D405-4C66-AAFC-12F687A583A3}" type="datetime1">
               <a:rPr lang="en-US" smtClean="0"/>
-              <a:t>4/6/2024</a:t>
+              <a:t>4/18/2024</a:t>
             </a:fld>
             <a:endParaRPr lang="en-US"/>
           </a:p>
@@ -21052,7 +21052,7 @@
           <a:p>
             <a:fld id="{A174D43B-D405-4C66-AAFC-12F687A583A3}" type="datetime1">
               <a:rPr lang="en-US" smtClean="0"/>
-              <a:t>4/6/2024</a:t>
+              <a:t>4/18/2024</a:t>
             </a:fld>
             <a:endParaRPr lang="en-US"/>
           </a:p>
@@ -21817,7 +21817,7 @@
           <a:p>
             <a:fld id="{A174D43B-D405-4C66-AAFC-12F687A583A3}" type="datetime1">
               <a:rPr lang="en-US" smtClean="0"/>
-              <a:t>4/6/2024</a:t>
+              <a:t>4/18/2024</a:t>
             </a:fld>
             <a:endParaRPr lang="en-US"/>
           </a:p>
@@ -22943,7 +22943,7 @@
           <a:p>
             <a:fld id="{A174D43B-D405-4C66-AAFC-12F687A583A3}" type="datetime1">
               <a:rPr lang="en-US" smtClean="0"/>
-              <a:t>4/6/2024</a:t>
+              <a:t>4/18/2024</a:t>
             </a:fld>
             <a:endParaRPr lang="en-US"/>
           </a:p>
@@ -23882,7 +23882,7 @@
           <a:p>
             <a:fld id="{A174D43B-D405-4C66-AAFC-12F687A583A3}" type="datetime1">
               <a:rPr lang="en-US" smtClean="0"/>
-              <a:t>4/6/2024</a:t>
+              <a:t>4/18/2024</a:t>
             </a:fld>
             <a:endParaRPr lang="en-US"/>
           </a:p>
@@ -24814,7 +24814,7 @@
           <a:p>
             <a:fld id="{A174D43B-D405-4C66-AAFC-12F687A583A3}" type="datetime1">
               <a:rPr lang="en-US" smtClean="0"/>
-              <a:t>4/6/2024</a:t>
+              <a:t>4/18/2024</a:t>
             </a:fld>
             <a:endParaRPr lang="en-US" dirty="0"/>
           </a:p>
@@ -26207,7 +26207,7 @@
           <a:p>
             <a:fld id="{A174D43B-D405-4C66-AAFC-12F687A583A3}" type="datetime1">
               <a:rPr lang="en-US" smtClean="0"/>
-              <a:t>4/6/2024</a:t>
+              <a:t>4/18/2024</a:t>
             </a:fld>
             <a:endParaRPr lang="en-US"/>
           </a:p>
@@ -26899,7 +26899,7 @@
           <a:p>
             <a:fld id="{A174D43B-D405-4C66-AAFC-12F687A583A3}" type="datetime1">
               <a:rPr lang="en-US" smtClean="0"/>
-              <a:t>4/6/2024</a:t>
+              <a:t>4/18/2024</a:t>
             </a:fld>
             <a:endParaRPr lang="en-US"/>
           </a:p>
@@ -27734,7 +27734,7 @@
           <a:p>
             <a:fld id="{A174D43B-D405-4C66-AAFC-12F687A583A3}" type="datetime1">
               <a:rPr lang="en-US" smtClean="0"/>
-              <a:t>4/6/2024</a:t>
+              <a:t>4/18/2024</a:t>
             </a:fld>
             <a:endParaRPr lang="en-US"/>
           </a:p>
@@ -28594,7 +28594,7 @@
           <a:p>
             <a:fld id="{A174D43B-D405-4C66-AAFC-12F687A583A3}" type="datetime1">
               <a:rPr lang="en-US" smtClean="0"/>
-              <a:t>4/6/2024</a:t>
+              <a:t>4/18/2024</a:t>
             </a:fld>
             <a:endParaRPr lang="en-US"/>
           </a:p>
@@ -29528,7 +29528,7 @@
           <a:p>
             <a:fld id="{A174D43B-D405-4C66-AAFC-12F687A583A3}" type="datetime1">
               <a:rPr lang="en-US" smtClean="0"/>
-              <a:t>4/6/2024</a:t>
+              <a:t>4/18/2024</a:t>
             </a:fld>
             <a:endParaRPr lang="en-US"/>
           </a:p>
@@ -30531,7 +30531,7 @@
           <a:p>
             <a:fld id="{A174D43B-D405-4C66-AAFC-12F687A583A3}" type="datetime1">
               <a:rPr lang="en-US" smtClean="0"/>
-              <a:t>4/6/2024</a:t>
+              <a:t>4/18/2024</a:t>
             </a:fld>
             <a:endParaRPr lang="en-US"/>
           </a:p>
@@ -31528,7 +31528,7 @@
           <a:p>
             <a:fld id="{A174D43B-D405-4C66-AAFC-12F687A583A3}" type="datetime1">
               <a:rPr lang="en-US" smtClean="0"/>
-              <a:t>4/6/2024</a:t>
+              <a:t>4/18/2024</a:t>
             </a:fld>
             <a:endParaRPr lang="en-US"/>
           </a:p>
@@ -33054,7 +33054,7 @@
           <a:p>
             <a:fld id="{A174D43B-D405-4C66-AAFC-12F687A583A3}" type="datetime1">
               <a:rPr lang="en-US" smtClean="0"/>
-              <a:t>4/6/2024</a:t>
+              <a:t>4/18/2024</a:t>
             </a:fld>
             <a:endParaRPr lang="en-US"/>
           </a:p>
@@ -33795,7 +33795,7 @@
           <a:p>
             <a:fld id="{A174D43B-D405-4C66-AAFC-12F687A583A3}" type="datetime1">
               <a:rPr lang="en-US" smtClean="0"/>
-              <a:t>4/6/2024</a:t>
+              <a:t>4/18/2024</a:t>
             </a:fld>
             <a:endParaRPr lang="en-US"/>
           </a:p>
